--- a/ppt 16-9/1265.《睡梦乡》主.pptx
+++ b/ppt 16-9/1265.《睡梦乡》主.pptx
@@ -5,7 +5,7 @@
     <p:sldMasterId id="2147483648" r:id="rId1"/>
   </p:sldMasterIdLst>
   <p:sldIdLst>
-    <p:sldId id="814" r:id="rId2"/>
+    <p:sldId id="815" r:id="rId2"/>
   </p:sldIdLst>
   <p:sldSz cx="12192000" cy="6858000"/>
   <p:notesSz cx="6858000" cy="9144000"/>
@@ -129,7 +129,7 @@
           <p:cNvPr id="2" name="标题 1">
             <a:extLst>
               <a:ext uri="{FF2B5EF4-FFF2-40B4-BE49-F238E27FC236}">
-                <a16:creationId xmlns:a16="http://schemas.microsoft.com/office/drawing/2014/main" id="{F5DA8D68-2BFA-BD24-15DF-243B9C3D0D2B}"/>
+                <a16:creationId xmlns:a16="http://schemas.microsoft.com/office/drawing/2014/main" id="{35855187-22D0-3231-E7C5-1E968DDD829E}"/>
               </a:ext>
             </a:extLst>
           </p:cNvPr>
@@ -166,7 +166,7 @@
           <p:cNvPr id="3" name="副标题 2">
             <a:extLst>
               <a:ext uri="{FF2B5EF4-FFF2-40B4-BE49-F238E27FC236}">
-                <a16:creationId xmlns:a16="http://schemas.microsoft.com/office/drawing/2014/main" id="{E1F7EC17-641A-7119-5FF2-164A90EFA8D9}"/>
+                <a16:creationId xmlns:a16="http://schemas.microsoft.com/office/drawing/2014/main" id="{2D2BE865-A01A-27FC-408E-7EC02F7F31D0}"/>
               </a:ext>
             </a:extLst>
           </p:cNvPr>
@@ -236,7 +236,7 @@
           <p:cNvPr id="4" name="日期占位符 3">
             <a:extLst>
               <a:ext uri="{FF2B5EF4-FFF2-40B4-BE49-F238E27FC236}">
-                <a16:creationId xmlns:a16="http://schemas.microsoft.com/office/drawing/2014/main" id="{D2EB60A5-FA87-BA63-1160-9027FB65BBBA}"/>
+                <a16:creationId xmlns:a16="http://schemas.microsoft.com/office/drawing/2014/main" id="{D39D3BE8-611E-D617-D585-60754EA05564}"/>
               </a:ext>
             </a:extLst>
           </p:cNvPr>
@@ -252,7 +252,7 @@
           <a:bodyPr/>
           <a:lstStyle/>
           <a:p>
-            <a:fld id="{4E677489-6DEE-4EB6-A066-21407AAAA5B6}" type="datetimeFigureOut">
+            <a:fld id="{17B19BEC-250F-464E-B31E-FFEDE2628854}" type="datetimeFigureOut">
               <a:rPr lang="zh-CN" altLang="en-US" smtClean="0"/>
               <a:t>2024/3/10</a:t>
             </a:fld>
@@ -265,7 +265,7 @@
           <p:cNvPr id="5" name="页脚占位符 4">
             <a:extLst>
               <a:ext uri="{FF2B5EF4-FFF2-40B4-BE49-F238E27FC236}">
-                <a16:creationId xmlns:a16="http://schemas.microsoft.com/office/drawing/2014/main" id="{B49D8ADC-5C87-2A73-27E2-90A12AAB6E71}"/>
+                <a16:creationId xmlns:a16="http://schemas.microsoft.com/office/drawing/2014/main" id="{CF87AB7E-4A84-C46C-06BB-171DB53833E1}"/>
               </a:ext>
             </a:extLst>
           </p:cNvPr>
@@ -290,7 +290,7 @@
           <p:cNvPr id="6" name="灯片编号占位符 5">
             <a:extLst>
               <a:ext uri="{FF2B5EF4-FFF2-40B4-BE49-F238E27FC236}">
-                <a16:creationId xmlns:a16="http://schemas.microsoft.com/office/drawing/2014/main" id="{2B7F2956-BECB-A72E-01F6-73BDD0537F84}"/>
+                <a16:creationId xmlns:a16="http://schemas.microsoft.com/office/drawing/2014/main" id="{383ABAE7-8640-AAFC-B83F-FABDA9B17F61}"/>
               </a:ext>
             </a:extLst>
           </p:cNvPr>
@@ -306,7 +306,7 @@
           <a:bodyPr/>
           <a:lstStyle/>
           <a:p>
-            <a:fld id="{B0C99C66-E052-4CA8-9141-00A88EA19240}" type="slidenum">
+            <a:fld id="{E198FBA0-F0B0-4CFD-B54A-82F34F8D8F23}" type="slidenum">
               <a:rPr lang="zh-CN" altLang="en-US" smtClean="0"/>
               <a:t>‹#›</a:t>
             </a:fld>
@@ -317,7 +317,7 @@
     </p:spTree>
     <p:extLst>
       <p:ext uri="{BB962C8B-B14F-4D97-AF65-F5344CB8AC3E}">
-        <p14:creationId xmlns:p14="http://schemas.microsoft.com/office/powerpoint/2010/main" val="3425987493"/>
+        <p14:creationId xmlns:p14="http://schemas.microsoft.com/office/powerpoint/2010/main" val="3828678209"/>
       </p:ext>
     </p:extLst>
   </p:cSld>
@@ -349,7 +349,7 @@
           <p:cNvPr id="2" name="标题 1">
             <a:extLst>
               <a:ext uri="{FF2B5EF4-FFF2-40B4-BE49-F238E27FC236}">
-                <a16:creationId xmlns:a16="http://schemas.microsoft.com/office/drawing/2014/main" id="{2C024502-55A1-865D-9AEF-1483D7842090}"/>
+                <a16:creationId xmlns:a16="http://schemas.microsoft.com/office/drawing/2014/main" id="{3ED0F0D9-BD9B-BDA6-5A55-FDAB1744B50F}"/>
               </a:ext>
             </a:extLst>
           </p:cNvPr>
@@ -377,7 +377,7 @@
           <p:cNvPr id="3" name="竖排文字占位符 2">
             <a:extLst>
               <a:ext uri="{FF2B5EF4-FFF2-40B4-BE49-F238E27FC236}">
-                <a16:creationId xmlns:a16="http://schemas.microsoft.com/office/drawing/2014/main" id="{98A70FF1-B066-BE8A-1B36-C8C0FF54976A}"/>
+                <a16:creationId xmlns:a16="http://schemas.microsoft.com/office/drawing/2014/main" id="{F377E699-AC6D-4E0E-EDDD-430867B8F14B}"/>
               </a:ext>
             </a:extLst>
           </p:cNvPr>
@@ -434,7 +434,7 @@
           <p:cNvPr id="4" name="日期占位符 3">
             <a:extLst>
               <a:ext uri="{FF2B5EF4-FFF2-40B4-BE49-F238E27FC236}">
-                <a16:creationId xmlns:a16="http://schemas.microsoft.com/office/drawing/2014/main" id="{AB560F57-C5CA-992B-A8E3-67E5E86614BD}"/>
+                <a16:creationId xmlns:a16="http://schemas.microsoft.com/office/drawing/2014/main" id="{39EBD8FC-AC0D-E333-9278-0C538252AEFB}"/>
               </a:ext>
             </a:extLst>
           </p:cNvPr>
@@ -450,7 +450,7 @@
           <a:bodyPr/>
           <a:lstStyle/>
           <a:p>
-            <a:fld id="{4E677489-6DEE-4EB6-A066-21407AAAA5B6}" type="datetimeFigureOut">
+            <a:fld id="{17B19BEC-250F-464E-B31E-FFEDE2628854}" type="datetimeFigureOut">
               <a:rPr lang="zh-CN" altLang="en-US" smtClean="0"/>
               <a:t>2024/3/10</a:t>
             </a:fld>
@@ -463,7 +463,7 @@
           <p:cNvPr id="5" name="页脚占位符 4">
             <a:extLst>
               <a:ext uri="{FF2B5EF4-FFF2-40B4-BE49-F238E27FC236}">
-                <a16:creationId xmlns:a16="http://schemas.microsoft.com/office/drawing/2014/main" id="{C23721A7-B39B-1091-679E-137A266FCB06}"/>
+                <a16:creationId xmlns:a16="http://schemas.microsoft.com/office/drawing/2014/main" id="{12ACBBB7-B6FA-517D-8584-9394BC3E12D3}"/>
               </a:ext>
             </a:extLst>
           </p:cNvPr>
@@ -488,7 +488,7 @@
           <p:cNvPr id="6" name="灯片编号占位符 5">
             <a:extLst>
               <a:ext uri="{FF2B5EF4-FFF2-40B4-BE49-F238E27FC236}">
-                <a16:creationId xmlns:a16="http://schemas.microsoft.com/office/drawing/2014/main" id="{F3B86626-2C85-7823-A3B4-BAFDC26A4623}"/>
+                <a16:creationId xmlns:a16="http://schemas.microsoft.com/office/drawing/2014/main" id="{5AACF861-D267-5250-4573-0AD409240074}"/>
               </a:ext>
             </a:extLst>
           </p:cNvPr>
@@ -504,7 +504,7 @@
           <a:bodyPr/>
           <a:lstStyle/>
           <a:p>
-            <a:fld id="{B0C99C66-E052-4CA8-9141-00A88EA19240}" type="slidenum">
+            <a:fld id="{E198FBA0-F0B0-4CFD-B54A-82F34F8D8F23}" type="slidenum">
               <a:rPr lang="zh-CN" altLang="en-US" smtClean="0"/>
               <a:t>‹#›</a:t>
             </a:fld>
@@ -515,7 +515,7 @@
     </p:spTree>
     <p:extLst>
       <p:ext uri="{BB962C8B-B14F-4D97-AF65-F5344CB8AC3E}">
-        <p14:creationId xmlns:p14="http://schemas.microsoft.com/office/powerpoint/2010/main" val="541430151"/>
+        <p14:creationId xmlns:p14="http://schemas.microsoft.com/office/powerpoint/2010/main" val="1728859026"/>
       </p:ext>
     </p:extLst>
   </p:cSld>
@@ -547,7 +547,7 @@
           <p:cNvPr id="2" name="竖排标题 1">
             <a:extLst>
               <a:ext uri="{FF2B5EF4-FFF2-40B4-BE49-F238E27FC236}">
-                <a16:creationId xmlns:a16="http://schemas.microsoft.com/office/drawing/2014/main" id="{093D3D2C-7FE0-86B0-9D41-F7C513DD6335}"/>
+                <a16:creationId xmlns:a16="http://schemas.microsoft.com/office/drawing/2014/main" id="{BF71FDF3-E813-4FF0-5DDF-38249B8E6D4B}"/>
               </a:ext>
             </a:extLst>
           </p:cNvPr>
@@ -580,7 +580,7 @@
           <p:cNvPr id="3" name="竖排文字占位符 2">
             <a:extLst>
               <a:ext uri="{FF2B5EF4-FFF2-40B4-BE49-F238E27FC236}">
-                <a16:creationId xmlns:a16="http://schemas.microsoft.com/office/drawing/2014/main" id="{AF4E0AD6-21F3-F784-F8F6-924F4EDCEDCD}"/>
+                <a16:creationId xmlns:a16="http://schemas.microsoft.com/office/drawing/2014/main" id="{F6F2424D-EC37-A093-D011-EB59B6BF44EC}"/>
               </a:ext>
             </a:extLst>
           </p:cNvPr>
@@ -642,7 +642,7 @@
           <p:cNvPr id="4" name="日期占位符 3">
             <a:extLst>
               <a:ext uri="{FF2B5EF4-FFF2-40B4-BE49-F238E27FC236}">
-                <a16:creationId xmlns:a16="http://schemas.microsoft.com/office/drawing/2014/main" id="{219E670A-0A39-62EC-0E50-3816D7C1CA07}"/>
+                <a16:creationId xmlns:a16="http://schemas.microsoft.com/office/drawing/2014/main" id="{629C3F41-1A6F-A132-163F-EB1467F455E7}"/>
               </a:ext>
             </a:extLst>
           </p:cNvPr>
@@ -658,7 +658,7 @@
           <a:bodyPr/>
           <a:lstStyle/>
           <a:p>
-            <a:fld id="{4E677489-6DEE-4EB6-A066-21407AAAA5B6}" type="datetimeFigureOut">
+            <a:fld id="{17B19BEC-250F-464E-B31E-FFEDE2628854}" type="datetimeFigureOut">
               <a:rPr lang="zh-CN" altLang="en-US" smtClean="0"/>
               <a:t>2024/3/10</a:t>
             </a:fld>
@@ -671,7 +671,7 @@
           <p:cNvPr id="5" name="页脚占位符 4">
             <a:extLst>
               <a:ext uri="{FF2B5EF4-FFF2-40B4-BE49-F238E27FC236}">
-                <a16:creationId xmlns:a16="http://schemas.microsoft.com/office/drawing/2014/main" id="{00B20BDD-DB2E-9D47-8C70-E18B25B546DB}"/>
+                <a16:creationId xmlns:a16="http://schemas.microsoft.com/office/drawing/2014/main" id="{4EB36071-9A43-BDF1-13AE-37D50F78D35D}"/>
               </a:ext>
             </a:extLst>
           </p:cNvPr>
@@ -696,7 +696,7 @@
           <p:cNvPr id="6" name="灯片编号占位符 5">
             <a:extLst>
               <a:ext uri="{FF2B5EF4-FFF2-40B4-BE49-F238E27FC236}">
-                <a16:creationId xmlns:a16="http://schemas.microsoft.com/office/drawing/2014/main" id="{EA1309F9-3C18-E735-5A6A-AE8AA1F2ECCA}"/>
+                <a16:creationId xmlns:a16="http://schemas.microsoft.com/office/drawing/2014/main" id="{B0261249-7EAE-7A79-8E32-459B469FD918}"/>
               </a:ext>
             </a:extLst>
           </p:cNvPr>
@@ -712,7 +712,7 @@
           <a:bodyPr/>
           <a:lstStyle/>
           <a:p>
-            <a:fld id="{B0C99C66-E052-4CA8-9141-00A88EA19240}" type="slidenum">
+            <a:fld id="{E198FBA0-F0B0-4CFD-B54A-82F34F8D8F23}" type="slidenum">
               <a:rPr lang="zh-CN" altLang="en-US" smtClean="0"/>
               <a:t>‹#›</a:t>
             </a:fld>
@@ -723,7 +723,7 @@
     </p:spTree>
     <p:extLst>
       <p:ext uri="{BB962C8B-B14F-4D97-AF65-F5344CB8AC3E}">
-        <p14:creationId xmlns:p14="http://schemas.microsoft.com/office/powerpoint/2010/main" val="1391257505"/>
+        <p14:creationId xmlns:p14="http://schemas.microsoft.com/office/powerpoint/2010/main" val="2455242412"/>
       </p:ext>
     </p:extLst>
   </p:cSld>
@@ -755,7 +755,7 @@
           <p:cNvPr id="2" name="标题 1">
             <a:extLst>
               <a:ext uri="{FF2B5EF4-FFF2-40B4-BE49-F238E27FC236}">
-                <a16:creationId xmlns:a16="http://schemas.microsoft.com/office/drawing/2014/main" id="{A183297B-B17E-8FF7-D673-05D603B3BCFC}"/>
+                <a16:creationId xmlns:a16="http://schemas.microsoft.com/office/drawing/2014/main" id="{91821068-8E8B-F011-EEA0-A922BCAFA15F}"/>
               </a:ext>
             </a:extLst>
           </p:cNvPr>
@@ -783,7 +783,7 @@
           <p:cNvPr id="3" name="内容占位符 2">
             <a:extLst>
               <a:ext uri="{FF2B5EF4-FFF2-40B4-BE49-F238E27FC236}">
-                <a16:creationId xmlns:a16="http://schemas.microsoft.com/office/drawing/2014/main" id="{861017A5-777A-C22D-CC0D-B25938A91BA9}"/>
+                <a16:creationId xmlns:a16="http://schemas.microsoft.com/office/drawing/2014/main" id="{241F3FF8-048C-5D40-4ABE-2CA9DBFA9292}"/>
               </a:ext>
             </a:extLst>
           </p:cNvPr>
@@ -840,7 +840,7 @@
           <p:cNvPr id="4" name="日期占位符 3">
             <a:extLst>
               <a:ext uri="{FF2B5EF4-FFF2-40B4-BE49-F238E27FC236}">
-                <a16:creationId xmlns:a16="http://schemas.microsoft.com/office/drawing/2014/main" id="{1CF5C0AE-670E-3E26-02AC-7DA8E3DE360F}"/>
+                <a16:creationId xmlns:a16="http://schemas.microsoft.com/office/drawing/2014/main" id="{F1A4EB7F-2E62-2D0D-7763-E364673695A9}"/>
               </a:ext>
             </a:extLst>
           </p:cNvPr>
@@ -856,7 +856,7 @@
           <a:bodyPr/>
           <a:lstStyle/>
           <a:p>
-            <a:fld id="{4E677489-6DEE-4EB6-A066-21407AAAA5B6}" type="datetimeFigureOut">
+            <a:fld id="{17B19BEC-250F-464E-B31E-FFEDE2628854}" type="datetimeFigureOut">
               <a:rPr lang="zh-CN" altLang="en-US" smtClean="0"/>
               <a:t>2024/3/10</a:t>
             </a:fld>
@@ -869,7 +869,7 @@
           <p:cNvPr id="5" name="页脚占位符 4">
             <a:extLst>
               <a:ext uri="{FF2B5EF4-FFF2-40B4-BE49-F238E27FC236}">
-                <a16:creationId xmlns:a16="http://schemas.microsoft.com/office/drawing/2014/main" id="{5702E20D-F564-E3A0-6B4C-1B07740B41E8}"/>
+                <a16:creationId xmlns:a16="http://schemas.microsoft.com/office/drawing/2014/main" id="{E951598F-C1F9-0DCB-B1A6-44777CF968F6}"/>
               </a:ext>
             </a:extLst>
           </p:cNvPr>
@@ -894,7 +894,7 @@
           <p:cNvPr id="6" name="灯片编号占位符 5">
             <a:extLst>
               <a:ext uri="{FF2B5EF4-FFF2-40B4-BE49-F238E27FC236}">
-                <a16:creationId xmlns:a16="http://schemas.microsoft.com/office/drawing/2014/main" id="{205E2A03-E4C7-D16E-795F-E77B4895C661}"/>
+                <a16:creationId xmlns:a16="http://schemas.microsoft.com/office/drawing/2014/main" id="{DF051F09-8DEA-C519-D86E-9193E522F565}"/>
               </a:ext>
             </a:extLst>
           </p:cNvPr>
@@ -910,7 +910,7 @@
           <a:bodyPr/>
           <a:lstStyle/>
           <a:p>
-            <a:fld id="{B0C99C66-E052-4CA8-9141-00A88EA19240}" type="slidenum">
+            <a:fld id="{E198FBA0-F0B0-4CFD-B54A-82F34F8D8F23}" type="slidenum">
               <a:rPr lang="zh-CN" altLang="en-US" smtClean="0"/>
               <a:t>‹#›</a:t>
             </a:fld>
@@ -921,7 +921,7 @@
     </p:spTree>
     <p:extLst>
       <p:ext uri="{BB962C8B-B14F-4D97-AF65-F5344CB8AC3E}">
-        <p14:creationId xmlns:p14="http://schemas.microsoft.com/office/powerpoint/2010/main" val="319716480"/>
+        <p14:creationId xmlns:p14="http://schemas.microsoft.com/office/powerpoint/2010/main" val="2323917156"/>
       </p:ext>
     </p:extLst>
   </p:cSld>
@@ -953,7 +953,7 @@
           <p:cNvPr id="2" name="标题 1">
             <a:extLst>
               <a:ext uri="{FF2B5EF4-FFF2-40B4-BE49-F238E27FC236}">
-                <a16:creationId xmlns:a16="http://schemas.microsoft.com/office/drawing/2014/main" id="{48A5D74F-72E4-1B71-98F6-F72A527BBF74}"/>
+                <a16:creationId xmlns:a16="http://schemas.microsoft.com/office/drawing/2014/main" id="{4E2ABCB1-6132-6332-67F4-A744FD70122A}"/>
               </a:ext>
             </a:extLst>
           </p:cNvPr>
@@ -990,7 +990,7 @@
           <p:cNvPr id="3" name="文本占位符 2">
             <a:extLst>
               <a:ext uri="{FF2B5EF4-FFF2-40B4-BE49-F238E27FC236}">
-                <a16:creationId xmlns:a16="http://schemas.microsoft.com/office/drawing/2014/main" id="{AA4F2C68-89CB-0B1A-6834-88E97F7FDAEC}"/>
+                <a16:creationId xmlns:a16="http://schemas.microsoft.com/office/drawing/2014/main" id="{4E511EF3-AFAB-EDD2-D33A-C816B8DE572E}"/>
               </a:ext>
             </a:extLst>
           </p:cNvPr>
@@ -1115,7 +1115,7 @@
           <p:cNvPr id="4" name="日期占位符 3">
             <a:extLst>
               <a:ext uri="{FF2B5EF4-FFF2-40B4-BE49-F238E27FC236}">
-                <a16:creationId xmlns:a16="http://schemas.microsoft.com/office/drawing/2014/main" id="{58C8CDE7-5F9A-99B8-65F2-960A04940D25}"/>
+                <a16:creationId xmlns:a16="http://schemas.microsoft.com/office/drawing/2014/main" id="{2800F072-C76E-E4D7-7E73-CE538339ECFA}"/>
               </a:ext>
             </a:extLst>
           </p:cNvPr>
@@ -1131,7 +1131,7 @@
           <a:bodyPr/>
           <a:lstStyle/>
           <a:p>
-            <a:fld id="{4E677489-6DEE-4EB6-A066-21407AAAA5B6}" type="datetimeFigureOut">
+            <a:fld id="{17B19BEC-250F-464E-B31E-FFEDE2628854}" type="datetimeFigureOut">
               <a:rPr lang="zh-CN" altLang="en-US" smtClean="0"/>
               <a:t>2024/3/10</a:t>
             </a:fld>
@@ -1144,7 +1144,7 @@
           <p:cNvPr id="5" name="页脚占位符 4">
             <a:extLst>
               <a:ext uri="{FF2B5EF4-FFF2-40B4-BE49-F238E27FC236}">
-                <a16:creationId xmlns:a16="http://schemas.microsoft.com/office/drawing/2014/main" id="{45F38E8E-A703-0899-150B-9FE611A32DFB}"/>
+                <a16:creationId xmlns:a16="http://schemas.microsoft.com/office/drawing/2014/main" id="{D4954591-D7BB-4B81-3729-3E0CA32C90DC}"/>
               </a:ext>
             </a:extLst>
           </p:cNvPr>
@@ -1169,7 +1169,7 @@
           <p:cNvPr id="6" name="灯片编号占位符 5">
             <a:extLst>
               <a:ext uri="{FF2B5EF4-FFF2-40B4-BE49-F238E27FC236}">
-                <a16:creationId xmlns:a16="http://schemas.microsoft.com/office/drawing/2014/main" id="{D57A9C4F-8F68-10FE-EF36-66B7CC248598}"/>
+                <a16:creationId xmlns:a16="http://schemas.microsoft.com/office/drawing/2014/main" id="{4EB74C0C-2DB9-52FC-C412-B376895F23D2}"/>
               </a:ext>
             </a:extLst>
           </p:cNvPr>
@@ -1185,7 +1185,7 @@
           <a:bodyPr/>
           <a:lstStyle/>
           <a:p>
-            <a:fld id="{B0C99C66-E052-4CA8-9141-00A88EA19240}" type="slidenum">
+            <a:fld id="{E198FBA0-F0B0-4CFD-B54A-82F34F8D8F23}" type="slidenum">
               <a:rPr lang="zh-CN" altLang="en-US" smtClean="0"/>
               <a:t>‹#›</a:t>
             </a:fld>
@@ -1196,7 +1196,7 @@
     </p:spTree>
     <p:extLst>
       <p:ext uri="{BB962C8B-B14F-4D97-AF65-F5344CB8AC3E}">
-        <p14:creationId xmlns:p14="http://schemas.microsoft.com/office/powerpoint/2010/main" val="384829765"/>
+        <p14:creationId xmlns:p14="http://schemas.microsoft.com/office/powerpoint/2010/main" val="826540393"/>
       </p:ext>
     </p:extLst>
   </p:cSld>
@@ -1228,7 +1228,7 @@
           <p:cNvPr id="2" name="标题 1">
             <a:extLst>
               <a:ext uri="{FF2B5EF4-FFF2-40B4-BE49-F238E27FC236}">
-                <a16:creationId xmlns:a16="http://schemas.microsoft.com/office/drawing/2014/main" id="{72BFED9B-E6F0-FBF4-2F84-6D6A025606F9}"/>
+                <a16:creationId xmlns:a16="http://schemas.microsoft.com/office/drawing/2014/main" id="{CE3E268C-415A-A41B-E272-0D820DF3444D}"/>
               </a:ext>
             </a:extLst>
           </p:cNvPr>
@@ -1256,7 +1256,7 @@
           <p:cNvPr id="3" name="内容占位符 2">
             <a:extLst>
               <a:ext uri="{FF2B5EF4-FFF2-40B4-BE49-F238E27FC236}">
-                <a16:creationId xmlns:a16="http://schemas.microsoft.com/office/drawing/2014/main" id="{E55FA84B-49E0-4C58-18FF-437DE491BF2A}"/>
+                <a16:creationId xmlns:a16="http://schemas.microsoft.com/office/drawing/2014/main" id="{99366746-C44D-A466-5EB8-8CD93226E1F1}"/>
               </a:ext>
             </a:extLst>
           </p:cNvPr>
@@ -1318,7 +1318,7 @@
           <p:cNvPr id="4" name="内容占位符 3">
             <a:extLst>
               <a:ext uri="{FF2B5EF4-FFF2-40B4-BE49-F238E27FC236}">
-                <a16:creationId xmlns:a16="http://schemas.microsoft.com/office/drawing/2014/main" id="{B5E8707B-35DA-3196-4A80-C1DB17493D92}"/>
+                <a16:creationId xmlns:a16="http://schemas.microsoft.com/office/drawing/2014/main" id="{90D41716-74E4-89FE-D761-51C61EE7004F}"/>
               </a:ext>
             </a:extLst>
           </p:cNvPr>
@@ -1380,7 +1380,7 @@
           <p:cNvPr id="5" name="日期占位符 4">
             <a:extLst>
               <a:ext uri="{FF2B5EF4-FFF2-40B4-BE49-F238E27FC236}">
-                <a16:creationId xmlns:a16="http://schemas.microsoft.com/office/drawing/2014/main" id="{C6269914-3B3D-2075-72EF-695C764C8496}"/>
+                <a16:creationId xmlns:a16="http://schemas.microsoft.com/office/drawing/2014/main" id="{630C11D4-B044-49FC-FBE0-BD6890696D7B}"/>
               </a:ext>
             </a:extLst>
           </p:cNvPr>
@@ -1396,7 +1396,7 @@
           <a:bodyPr/>
           <a:lstStyle/>
           <a:p>
-            <a:fld id="{4E677489-6DEE-4EB6-A066-21407AAAA5B6}" type="datetimeFigureOut">
+            <a:fld id="{17B19BEC-250F-464E-B31E-FFEDE2628854}" type="datetimeFigureOut">
               <a:rPr lang="zh-CN" altLang="en-US" smtClean="0"/>
               <a:t>2024/3/10</a:t>
             </a:fld>
@@ -1409,7 +1409,7 @@
           <p:cNvPr id="6" name="页脚占位符 5">
             <a:extLst>
               <a:ext uri="{FF2B5EF4-FFF2-40B4-BE49-F238E27FC236}">
-                <a16:creationId xmlns:a16="http://schemas.microsoft.com/office/drawing/2014/main" id="{F09DAF2D-B4E9-67AC-DBAD-77DB5E5EAA1B}"/>
+                <a16:creationId xmlns:a16="http://schemas.microsoft.com/office/drawing/2014/main" id="{7D65B65F-14A4-F364-1E7E-9B49E45E3D8D}"/>
               </a:ext>
             </a:extLst>
           </p:cNvPr>
@@ -1434,7 +1434,7 @@
           <p:cNvPr id="7" name="灯片编号占位符 6">
             <a:extLst>
               <a:ext uri="{FF2B5EF4-FFF2-40B4-BE49-F238E27FC236}">
-                <a16:creationId xmlns:a16="http://schemas.microsoft.com/office/drawing/2014/main" id="{77A21C84-FEA5-2BB7-13F0-5CF00D8639C2}"/>
+                <a16:creationId xmlns:a16="http://schemas.microsoft.com/office/drawing/2014/main" id="{37A42285-C4B4-66D8-8EAA-4498BD88AEF9}"/>
               </a:ext>
             </a:extLst>
           </p:cNvPr>
@@ -1450,7 +1450,7 @@
           <a:bodyPr/>
           <a:lstStyle/>
           <a:p>
-            <a:fld id="{B0C99C66-E052-4CA8-9141-00A88EA19240}" type="slidenum">
+            <a:fld id="{E198FBA0-F0B0-4CFD-B54A-82F34F8D8F23}" type="slidenum">
               <a:rPr lang="zh-CN" altLang="en-US" smtClean="0"/>
               <a:t>‹#›</a:t>
             </a:fld>
@@ -1461,7 +1461,7 @@
     </p:spTree>
     <p:extLst>
       <p:ext uri="{BB962C8B-B14F-4D97-AF65-F5344CB8AC3E}">
-        <p14:creationId xmlns:p14="http://schemas.microsoft.com/office/powerpoint/2010/main" val="689359393"/>
+        <p14:creationId xmlns:p14="http://schemas.microsoft.com/office/powerpoint/2010/main" val="2218235830"/>
       </p:ext>
     </p:extLst>
   </p:cSld>
@@ -1493,7 +1493,7 @@
           <p:cNvPr id="2" name="标题 1">
             <a:extLst>
               <a:ext uri="{FF2B5EF4-FFF2-40B4-BE49-F238E27FC236}">
-                <a16:creationId xmlns:a16="http://schemas.microsoft.com/office/drawing/2014/main" id="{6A232A32-1642-B494-A2C7-0CE4F2E0FF67}"/>
+                <a16:creationId xmlns:a16="http://schemas.microsoft.com/office/drawing/2014/main" id="{727E45DF-7A9B-4567-FDD5-5669D061088E}"/>
               </a:ext>
             </a:extLst>
           </p:cNvPr>
@@ -1526,7 +1526,7 @@
           <p:cNvPr id="3" name="文本占位符 2">
             <a:extLst>
               <a:ext uri="{FF2B5EF4-FFF2-40B4-BE49-F238E27FC236}">
-                <a16:creationId xmlns:a16="http://schemas.microsoft.com/office/drawing/2014/main" id="{5EBD2D9D-D9A2-E9A8-8E9F-1C6F0CA43493}"/>
+                <a16:creationId xmlns:a16="http://schemas.microsoft.com/office/drawing/2014/main" id="{0306FA39-B4E0-48FF-2C16-58DCC41DA481}"/>
               </a:ext>
             </a:extLst>
           </p:cNvPr>
@@ -1597,7 +1597,7 @@
           <p:cNvPr id="4" name="内容占位符 3">
             <a:extLst>
               <a:ext uri="{FF2B5EF4-FFF2-40B4-BE49-F238E27FC236}">
-                <a16:creationId xmlns:a16="http://schemas.microsoft.com/office/drawing/2014/main" id="{994AEF22-67AB-34AC-F7CD-B8444B3E5BE9}"/>
+                <a16:creationId xmlns:a16="http://schemas.microsoft.com/office/drawing/2014/main" id="{187C1C1D-C6BD-48CD-DEDD-8CAFF58118B5}"/>
               </a:ext>
             </a:extLst>
           </p:cNvPr>
@@ -1659,7 +1659,7 @@
           <p:cNvPr id="5" name="文本占位符 4">
             <a:extLst>
               <a:ext uri="{FF2B5EF4-FFF2-40B4-BE49-F238E27FC236}">
-                <a16:creationId xmlns:a16="http://schemas.microsoft.com/office/drawing/2014/main" id="{C8D8CC5B-D6A1-A151-4EE9-E544AC0B1208}"/>
+                <a16:creationId xmlns:a16="http://schemas.microsoft.com/office/drawing/2014/main" id="{D3DB2F50-FEC2-AB6D-13F1-7C9991F15750}"/>
               </a:ext>
             </a:extLst>
           </p:cNvPr>
@@ -1730,7 +1730,7 @@
           <p:cNvPr id="6" name="内容占位符 5">
             <a:extLst>
               <a:ext uri="{FF2B5EF4-FFF2-40B4-BE49-F238E27FC236}">
-                <a16:creationId xmlns:a16="http://schemas.microsoft.com/office/drawing/2014/main" id="{9D7E6339-6EFF-865F-9A07-75F60A16E079}"/>
+                <a16:creationId xmlns:a16="http://schemas.microsoft.com/office/drawing/2014/main" id="{F1EB9E98-2A3B-B8C5-BA0A-1F42CBFBC584}"/>
               </a:ext>
             </a:extLst>
           </p:cNvPr>
@@ -1792,7 +1792,7 @@
           <p:cNvPr id="7" name="日期占位符 6">
             <a:extLst>
               <a:ext uri="{FF2B5EF4-FFF2-40B4-BE49-F238E27FC236}">
-                <a16:creationId xmlns:a16="http://schemas.microsoft.com/office/drawing/2014/main" id="{843F5CC2-9193-7CD2-0F36-F822E38BC2F9}"/>
+                <a16:creationId xmlns:a16="http://schemas.microsoft.com/office/drawing/2014/main" id="{A49963BA-EAC2-8D2D-6205-3E9DE9499A70}"/>
               </a:ext>
             </a:extLst>
           </p:cNvPr>
@@ -1808,7 +1808,7 @@
           <a:bodyPr/>
           <a:lstStyle/>
           <a:p>
-            <a:fld id="{4E677489-6DEE-4EB6-A066-21407AAAA5B6}" type="datetimeFigureOut">
+            <a:fld id="{17B19BEC-250F-464E-B31E-FFEDE2628854}" type="datetimeFigureOut">
               <a:rPr lang="zh-CN" altLang="en-US" smtClean="0"/>
               <a:t>2024/3/10</a:t>
             </a:fld>
@@ -1821,7 +1821,7 @@
           <p:cNvPr id="8" name="页脚占位符 7">
             <a:extLst>
               <a:ext uri="{FF2B5EF4-FFF2-40B4-BE49-F238E27FC236}">
-                <a16:creationId xmlns:a16="http://schemas.microsoft.com/office/drawing/2014/main" id="{4237C289-1FEF-A4DE-7C56-C61263417CDE}"/>
+                <a16:creationId xmlns:a16="http://schemas.microsoft.com/office/drawing/2014/main" id="{49269C39-CC37-5FF6-31E1-7D5CAE34845A}"/>
               </a:ext>
             </a:extLst>
           </p:cNvPr>
@@ -1846,7 +1846,7 @@
           <p:cNvPr id="9" name="灯片编号占位符 8">
             <a:extLst>
               <a:ext uri="{FF2B5EF4-FFF2-40B4-BE49-F238E27FC236}">
-                <a16:creationId xmlns:a16="http://schemas.microsoft.com/office/drawing/2014/main" id="{4AB49E14-9F4D-5F28-402E-136A687B7FAA}"/>
+                <a16:creationId xmlns:a16="http://schemas.microsoft.com/office/drawing/2014/main" id="{1F7B058C-5689-8FC1-DEF9-CCFA795923E4}"/>
               </a:ext>
             </a:extLst>
           </p:cNvPr>
@@ -1862,7 +1862,7 @@
           <a:bodyPr/>
           <a:lstStyle/>
           <a:p>
-            <a:fld id="{B0C99C66-E052-4CA8-9141-00A88EA19240}" type="slidenum">
+            <a:fld id="{E198FBA0-F0B0-4CFD-B54A-82F34F8D8F23}" type="slidenum">
               <a:rPr lang="zh-CN" altLang="en-US" smtClean="0"/>
               <a:t>‹#›</a:t>
             </a:fld>
@@ -1873,7 +1873,7 @@
     </p:spTree>
     <p:extLst>
       <p:ext uri="{BB962C8B-B14F-4D97-AF65-F5344CB8AC3E}">
-        <p14:creationId xmlns:p14="http://schemas.microsoft.com/office/powerpoint/2010/main" val="1411033280"/>
+        <p14:creationId xmlns:p14="http://schemas.microsoft.com/office/powerpoint/2010/main" val="2828510731"/>
       </p:ext>
     </p:extLst>
   </p:cSld>
@@ -1905,7 +1905,7 @@
           <p:cNvPr id="2" name="标题 1">
             <a:extLst>
               <a:ext uri="{FF2B5EF4-FFF2-40B4-BE49-F238E27FC236}">
-                <a16:creationId xmlns:a16="http://schemas.microsoft.com/office/drawing/2014/main" id="{5D8D7E01-3372-5F5C-AE81-E3AA6ED6E374}"/>
+                <a16:creationId xmlns:a16="http://schemas.microsoft.com/office/drawing/2014/main" id="{C9563473-993B-D659-BA67-166E2BC37EED}"/>
               </a:ext>
             </a:extLst>
           </p:cNvPr>
@@ -1933,7 +1933,7 @@
           <p:cNvPr id="3" name="日期占位符 2">
             <a:extLst>
               <a:ext uri="{FF2B5EF4-FFF2-40B4-BE49-F238E27FC236}">
-                <a16:creationId xmlns:a16="http://schemas.microsoft.com/office/drawing/2014/main" id="{F0E82FD6-8DE7-7EAD-9A6F-8E6FBFD7BCD3}"/>
+                <a16:creationId xmlns:a16="http://schemas.microsoft.com/office/drawing/2014/main" id="{C0562D17-1164-DB9D-6D50-AF0660F103D6}"/>
               </a:ext>
             </a:extLst>
           </p:cNvPr>
@@ -1949,7 +1949,7 @@
           <a:bodyPr/>
           <a:lstStyle/>
           <a:p>
-            <a:fld id="{4E677489-6DEE-4EB6-A066-21407AAAA5B6}" type="datetimeFigureOut">
+            <a:fld id="{17B19BEC-250F-464E-B31E-FFEDE2628854}" type="datetimeFigureOut">
               <a:rPr lang="zh-CN" altLang="en-US" smtClean="0"/>
               <a:t>2024/3/10</a:t>
             </a:fld>
@@ -1962,7 +1962,7 @@
           <p:cNvPr id="4" name="页脚占位符 3">
             <a:extLst>
               <a:ext uri="{FF2B5EF4-FFF2-40B4-BE49-F238E27FC236}">
-                <a16:creationId xmlns:a16="http://schemas.microsoft.com/office/drawing/2014/main" id="{09D34639-1C17-23D5-D835-10A9F2D86A2C}"/>
+                <a16:creationId xmlns:a16="http://schemas.microsoft.com/office/drawing/2014/main" id="{9D36871D-2922-5AFD-059C-535DDCA77B04}"/>
               </a:ext>
             </a:extLst>
           </p:cNvPr>
@@ -1987,7 +1987,7 @@
           <p:cNvPr id="5" name="灯片编号占位符 4">
             <a:extLst>
               <a:ext uri="{FF2B5EF4-FFF2-40B4-BE49-F238E27FC236}">
-                <a16:creationId xmlns:a16="http://schemas.microsoft.com/office/drawing/2014/main" id="{288134FC-DF3F-6DCF-295C-37A30FEC72A1}"/>
+                <a16:creationId xmlns:a16="http://schemas.microsoft.com/office/drawing/2014/main" id="{C2DEFB00-F4F1-7756-27EB-C0AB771EACE3}"/>
               </a:ext>
             </a:extLst>
           </p:cNvPr>
@@ -2003,7 +2003,7 @@
           <a:bodyPr/>
           <a:lstStyle/>
           <a:p>
-            <a:fld id="{B0C99C66-E052-4CA8-9141-00A88EA19240}" type="slidenum">
+            <a:fld id="{E198FBA0-F0B0-4CFD-B54A-82F34F8D8F23}" type="slidenum">
               <a:rPr lang="zh-CN" altLang="en-US" smtClean="0"/>
               <a:t>‹#›</a:t>
             </a:fld>
@@ -2014,7 +2014,7 @@
     </p:spTree>
     <p:extLst>
       <p:ext uri="{BB962C8B-B14F-4D97-AF65-F5344CB8AC3E}">
-        <p14:creationId xmlns:p14="http://schemas.microsoft.com/office/powerpoint/2010/main" val="696783102"/>
+        <p14:creationId xmlns:p14="http://schemas.microsoft.com/office/powerpoint/2010/main" val="2605694003"/>
       </p:ext>
     </p:extLst>
   </p:cSld>
@@ -2046,7 +2046,7 @@
           <p:cNvPr id="2" name="日期占位符 1">
             <a:extLst>
               <a:ext uri="{FF2B5EF4-FFF2-40B4-BE49-F238E27FC236}">
-                <a16:creationId xmlns:a16="http://schemas.microsoft.com/office/drawing/2014/main" id="{DEE9A61F-1E41-C685-697B-E404214B3783}"/>
+                <a16:creationId xmlns:a16="http://schemas.microsoft.com/office/drawing/2014/main" id="{9DF9A4BA-95AF-2D84-6576-D7D33F9A96F8}"/>
               </a:ext>
             </a:extLst>
           </p:cNvPr>
@@ -2062,7 +2062,7 @@
           <a:bodyPr/>
           <a:lstStyle/>
           <a:p>
-            <a:fld id="{4E677489-6DEE-4EB6-A066-21407AAAA5B6}" type="datetimeFigureOut">
+            <a:fld id="{17B19BEC-250F-464E-B31E-FFEDE2628854}" type="datetimeFigureOut">
               <a:rPr lang="zh-CN" altLang="en-US" smtClean="0"/>
               <a:t>2024/3/10</a:t>
             </a:fld>
@@ -2075,7 +2075,7 @@
           <p:cNvPr id="3" name="页脚占位符 2">
             <a:extLst>
               <a:ext uri="{FF2B5EF4-FFF2-40B4-BE49-F238E27FC236}">
-                <a16:creationId xmlns:a16="http://schemas.microsoft.com/office/drawing/2014/main" id="{50138331-DC21-88EA-F081-5750ADE4B256}"/>
+                <a16:creationId xmlns:a16="http://schemas.microsoft.com/office/drawing/2014/main" id="{5546862E-F03C-E6E8-8296-15C183461E58}"/>
               </a:ext>
             </a:extLst>
           </p:cNvPr>
@@ -2100,7 +2100,7 @@
           <p:cNvPr id="4" name="灯片编号占位符 3">
             <a:extLst>
               <a:ext uri="{FF2B5EF4-FFF2-40B4-BE49-F238E27FC236}">
-                <a16:creationId xmlns:a16="http://schemas.microsoft.com/office/drawing/2014/main" id="{D79C3FD8-0DDC-882C-7C11-5D6426E06360}"/>
+                <a16:creationId xmlns:a16="http://schemas.microsoft.com/office/drawing/2014/main" id="{FD3DA9EB-F733-C763-7BC4-DC57454C78F5}"/>
               </a:ext>
             </a:extLst>
           </p:cNvPr>
@@ -2116,7 +2116,7 @@
           <a:bodyPr/>
           <a:lstStyle/>
           <a:p>
-            <a:fld id="{B0C99C66-E052-4CA8-9141-00A88EA19240}" type="slidenum">
+            <a:fld id="{E198FBA0-F0B0-4CFD-B54A-82F34F8D8F23}" type="slidenum">
               <a:rPr lang="zh-CN" altLang="en-US" smtClean="0"/>
               <a:t>‹#›</a:t>
             </a:fld>
@@ -2127,7 +2127,7 @@
     </p:spTree>
     <p:extLst>
       <p:ext uri="{BB962C8B-B14F-4D97-AF65-F5344CB8AC3E}">
-        <p14:creationId xmlns:p14="http://schemas.microsoft.com/office/powerpoint/2010/main" val="640873591"/>
+        <p14:creationId xmlns:p14="http://schemas.microsoft.com/office/powerpoint/2010/main" val="4284237342"/>
       </p:ext>
     </p:extLst>
   </p:cSld>
@@ -2159,7 +2159,7 @@
           <p:cNvPr id="2" name="标题 1">
             <a:extLst>
               <a:ext uri="{FF2B5EF4-FFF2-40B4-BE49-F238E27FC236}">
-                <a16:creationId xmlns:a16="http://schemas.microsoft.com/office/drawing/2014/main" id="{F8DA8B0B-DD79-0543-1E2B-6F4F59B3F478}"/>
+                <a16:creationId xmlns:a16="http://schemas.microsoft.com/office/drawing/2014/main" id="{5D6D90EE-7EFB-8BC9-70F1-EAFAC734AB56}"/>
               </a:ext>
             </a:extLst>
           </p:cNvPr>
@@ -2196,7 +2196,7 @@
           <p:cNvPr id="3" name="内容占位符 2">
             <a:extLst>
               <a:ext uri="{FF2B5EF4-FFF2-40B4-BE49-F238E27FC236}">
-                <a16:creationId xmlns:a16="http://schemas.microsoft.com/office/drawing/2014/main" id="{E4877239-BDB2-C3DE-541A-B34B0AEFB5B1}"/>
+                <a16:creationId xmlns:a16="http://schemas.microsoft.com/office/drawing/2014/main" id="{A1EAA0AF-BF62-5A16-0D73-C29DC391FC3E}"/>
               </a:ext>
             </a:extLst>
           </p:cNvPr>
@@ -2286,7 +2286,7 @@
           <p:cNvPr id="4" name="文本占位符 3">
             <a:extLst>
               <a:ext uri="{FF2B5EF4-FFF2-40B4-BE49-F238E27FC236}">
-                <a16:creationId xmlns:a16="http://schemas.microsoft.com/office/drawing/2014/main" id="{018757F6-4436-338B-EE15-DA4624038767}"/>
+                <a16:creationId xmlns:a16="http://schemas.microsoft.com/office/drawing/2014/main" id="{51011306-C2F0-1EA9-4794-7CBE4FEDD8AE}"/>
               </a:ext>
             </a:extLst>
           </p:cNvPr>
@@ -2357,7 +2357,7 @@
           <p:cNvPr id="5" name="日期占位符 4">
             <a:extLst>
               <a:ext uri="{FF2B5EF4-FFF2-40B4-BE49-F238E27FC236}">
-                <a16:creationId xmlns:a16="http://schemas.microsoft.com/office/drawing/2014/main" id="{B9CEBE18-4C44-4439-D768-89562085F88C}"/>
+                <a16:creationId xmlns:a16="http://schemas.microsoft.com/office/drawing/2014/main" id="{2845471B-2570-B053-4F26-2DF882E85942}"/>
               </a:ext>
             </a:extLst>
           </p:cNvPr>
@@ -2373,7 +2373,7 @@
           <a:bodyPr/>
           <a:lstStyle/>
           <a:p>
-            <a:fld id="{4E677489-6DEE-4EB6-A066-21407AAAA5B6}" type="datetimeFigureOut">
+            <a:fld id="{17B19BEC-250F-464E-B31E-FFEDE2628854}" type="datetimeFigureOut">
               <a:rPr lang="zh-CN" altLang="en-US" smtClean="0"/>
               <a:t>2024/3/10</a:t>
             </a:fld>
@@ -2386,7 +2386,7 @@
           <p:cNvPr id="6" name="页脚占位符 5">
             <a:extLst>
               <a:ext uri="{FF2B5EF4-FFF2-40B4-BE49-F238E27FC236}">
-                <a16:creationId xmlns:a16="http://schemas.microsoft.com/office/drawing/2014/main" id="{276AC9CA-9720-4995-0FC5-A40F6D0DB7DC}"/>
+                <a16:creationId xmlns:a16="http://schemas.microsoft.com/office/drawing/2014/main" id="{A81CA1BE-246D-E286-52D3-BDA6B3EECEEA}"/>
               </a:ext>
             </a:extLst>
           </p:cNvPr>
@@ -2411,7 +2411,7 @@
           <p:cNvPr id="7" name="灯片编号占位符 6">
             <a:extLst>
               <a:ext uri="{FF2B5EF4-FFF2-40B4-BE49-F238E27FC236}">
-                <a16:creationId xmlns:a16="http://schemas.microsoft.com/office/drawing/2014/main" id="{396CE0F2-2AE8-DB7C-B738-08B69E63CA36}"/>
+                <a16:creationId xmlns:a16="http://schemas.microsoft.com/office/drawing/2014/main" id="{36BB6426-3330-2F02-C86A-F12BF25BE6FE}"/>
               </a:ext>
             </a:extLst>
           </p:cNvPr>
@@ -2427,7 +2427,7 @@
           <a:bodyPr/>
           <a:lstStyle/>
           <a:p>
-            <a:fld id="{B0C99C66-E052-4CA8-9141-00A88EA19240}" type="slidenum">
+            <a:fld id="{E198FBA0-F0B0-4CFD-B54A-82F34F8D8F23}" type="slidenum">
               <a:rPr lang="zh-CN" altLang="en-US" smtClean="0"/>
               <a:t>‹#›</a:t>
             </a:fld>
@@ -2438,7 +2438,7 @@
     </p:spTree>
     <p:extLst>
       <p:ext uri="{BB962C8B-B14F-4D97-AF65-F5344CB8AC3E}">
-        <p14:creationId xmlns:p14="http://schemas.microsoft.com/office/powerpoint/2010/main" val="3726096808"/>
+        <p14:creationId xmlns:p14="http://schemas.microsoft.com/office/powerpoint/2010/main" val="3309362882"/>
       </p:ext>
     </p:extLst>
   </p:cSld>
@@ -2470,7 +2470,7 @@
           <p:cNvPr id="2" name="标题 1">
             <a:extLst>
               <a:ext uri="{FF2B5EF4-FFF2-40B4-BE49-F238E27FC236}">
-                <a16:creationId xmlns:a16="http://schemas.microsoft.com/office/drawing/2014/main" id="{D2E3CCEB-EB09-5DDF-8180-9232D2AA4ADA}"/>
+                <a16:creationId xmlns:a16="http://schemas.microsoft.com/office/drawing/2014/main" id="{EA706505-85BF-C03C-C008-8D95E31F00EB}"/>
               </a:ext>
             </a:extLst>
           </p:cNvPr>
@@ -2507,7 +2507,7 @@
           <p:cNvPr id="3" name="图片占位符 2">
             <a:extLst>
               <a:ext uri="{FF2B5EF4-FFF2-40B4-BE49-F238E27FC236}">
-                <a16:creationId xmlns:a16="http://schemas.microsoft.com/office/drawing/2014/main" id="{C829406B-DBF6-E117-C447-44B9563123AA}"/>
+                <a16:creationId xmlns:a16="http://schemas.microsoft.com/office/drawing/2014/main" id="{2156C59B-209E-1AA8-03DC-01BE767264A5}"/>
               </a:ext>
             </a:extLst>
           </p:cNvPr>
@@ -2574,7 +2574,7 @@
           <p:cNvPr id="4" name="文本占位符 3">
             <a:extLst>
               <a:ext uri="{FF2B5EF4-FFF2-40B4-BE49-F238E27FC236}">
-                <a16:creationId xmlns:a16="http://schemas.microsoft.com/office/drawing/2014/main" id="{FA751287-4322-220B-6FFD-A4C928AFCDBE}"/>
+                <a16:creationId xmlns:a16="http://schemas.microsoft.com/office/drawing/2014/main" id="{433BCAC4-4304-52D9-FF03-01EAB7B22725}"/>
               </a:ext>
             </a:extLst>
           </p:cNvPr>
@@ -2645,7 +2645,7 @@
           <p:cNvPr id="5" name="日期占位符 4">
             <a:extLst>
               <a:ext uri="{FF2B5EF4-FFF2-40B4-BE49-F238E27FC236}">
-                <a16:creationId xmlns:a16="http://schemas.microsoft.com/office/drawing/2014/main" id="{3BDB7B0B-8139-F2BA-F56B-6F3F1C5BD0CD}"/>
+                <a16:creationId xmlns:a16="http://schemas.microsoft.com/office/drawing/2014/main" id="{8E8C9D4F-AA2F-2EE5-F5B7-050B5EB35CEE}"/>
               </a:ext>
             </a:extLst>
           </p:cNvPr>
@@ -2661,7 +2661,7 @@
           <a:bodyPr/>
           <a:lstStyle/>
           <a:p>
-            <a:fld id="{4E677489-6DEE-4EB6-A066-21407AAAA5B6}" type="datetimeFigureOut">
+            <a:fld id="{17B19BEC-250F-464E-B31E-FFEDE2628854}" type="datetimeFigureOut">
               <a:rPr lang="zh-CN" altLang="en-US" smtClean="0"/>
               <a:t>2024/3/10</a:t>
             </a:fld>
@@ -2674,7 +2674,7 @@
           <p:cNvPr id="6" name="页脚占位符 5">
             <a:extLst>
               <a:ext uri="{FF2B5EF4-FFF2-40B4-BE49-F238E27FC236}">
-                <a16:creationId xmlns:a16="http://schemas.microsoft.com/office/drawing/2014/main" id="{0E01654F-6262-A0F5-3CF7-E8A07C8A7699}"/>
+                <a16:creationId xmlns:a16="http://schemas.microsoft.com/office/drawing/2014/main" id="{B786DEFC-079A-D85E-7AB8-30CD8B85E361}"/>
               </a:ext>
             </a:extLst>
           </p:cNvPr>
@@ -2699,7 +2699,7 @@
           <p:cNvPr id="7" name="灯片编号占位符 6">
             <a:extLst>
               <a:ext uri="{FF2B5EF4-FFF2-40B4-BE49-F238E27FC236}">
-                <a16:creationId xmlns:a16="http://schemas.microsoft.com/office/drawing/2014/main" id="{D8FA19B9-C767-2C08-32E2-2D8E469FFEEF}"/>
+                <a16:creationId xmlns:a16="http://schemas.microsoft.com/office/drawing/2014/main" id="{E107B72C-BDB7-839B-2C90-49CBCD534888}"/>
               </a:ext>
             </a:extLst>
           </p:cNvPr>
@@ -2715,7 +2715,7 @@
           <a:bodyPr/>
           <a:lstStyle/>
           <a:p>
-            <a:fld id="{B0C99C66-E052-4CA8-9141-00A88EA19240}" type="slidenum">
+            <a:fld id="{E198FBA0-F0B0-4CFD-B54A-82F34F8D8F23}" type="slidenum">
               <a:rPr lang="zh-CN" altLang="en-US" smtClean="0"/>
               <a:t>‹#›</a:t>
             </a:fld>
@@ -2726,7 +2726,7 @@
     </p:spTree>
     <p:extLst>
       <p:ext uri="{BB962C8B-B14F-4D97-AF65-F5344CB8AC3E}">
-        <p14:creationId xmlns:p14="http://schemas.microsoft.com/office/powerpoint/2010/main" val="4193391302"/>
+        <p14:creationId xmlns:p14="http://schemas.microsoft.com/office/powerpoint/2010/main" val="4212369308"/>
       </p:ext>
     </p:extLst>
   </p:cSld>
@@ -2763,7 +2763,7 @@
           <p:cNvPr id="2" name="标题占位符 1">
             <a:extLst>
               <a:ext uri="{FF2B5EF4-FFF2-40B4-BE49-F238E27FC236}">
-                <a16:creationId xmlns:a16="http://schemas.microsoft.com/office/drawing/2014/main" id="{45A24001-6C7A-3E48-2448-14BB46556978}"/>
+                <a16:creationId xmlns:a16="http://schemas.microsoft.com/office/drawing/2014/main" id="{726BF274-0E28-212C-0DA1-CB27867CF717}"/>
               </a:ext>
             </a:extLst>
           </p:cNvPr>
@@ -2801,7 +2801,7 @@
           <p:cNvPr id="3" name="文本占位符 2">
             <a:extLst>
               <a:ext uri="{FF2B5EF4-FFF2-40B4-BE49-F238E27FC236}">
-                <a16:creationId xmlns:a16="http://schemas.microsoft.com/office/drawing/2014/main" id="{7E62702A-1BDE-F5AA-347F-81FF459832BF}"/>
+                <a16:creationId xmlns:a16="http://schemas.microsoft.com/office/drawing/2014/main" id="{773ABF4E-1E3F-D56E-D916-21BD50035F8C}"/>
               </a:ext>
             </a:extLst>
           </p:cNvPr>
@@ -2868,7 +2868,7 @@
           <p:cNvPr id="4" name="日期占位符 3">
             <a:extLst>
               <a:ext uri="{FF2B5EF4-FFF2-40B4-BE49-F238E27FC236}">
-                <a16:creationId xmlns:a16="http://schemas.microsoft.com/office/drawing/2014/main" id="{DDDEC87E-ACFA-4E20-C9F7-75C8057404E6}"/>
+                <a16:creationId xmlns:a16="http://schemas.microsoft.com/office/drawing/2014/main" id="{2AE61C7A-8990-7914-5010-005AEEF7B660}"/>
               </a:ext>
             </a:extLst>
           </p:cNvPr>
@@ -2902,7 +2902,7 @@
             </a:lvl1pPr>
           </a:lstStyle>
           <a:p>
-            <a:fld id="{4E677489-6DEE-4EB6-A066-21407AAAA5B6}" type="datetimeFigureOut">
+            <a:fld id="{17B19BEC-250F-464E-B31E-FFEDE2628854}" type="datetimeFigureOut">
               <a:rPr lang="zh-CN" altLang="en-US" smtClean="0"/>
               <a:t>2024/3/10</a:t>
             </a:fld>
@@ -2915,7 +2915,7 @@
           <p:cNvPr id="5" name="页脚占位符 4">
             <a:extLst>
               <a:ext uri="{FF2B5EF4-FFF2-40B4-BE49-F238E27FC236}">
-                <a16:creationId xmlns:a16="http://schemas.microsoft.com/office/drawing/2014/main" id="{BC2DB92A-03F1-01E8-BBAC-241DEE05DB2A}"/>
+                <a16:creationId xmlns:a16="http://schemas.microsoft.com/office/drawing/2014/main" id="{BA6EB260-4384-3E9F-792C-F81012057DA0}"/>
               </a:ext>
             </a:extLst>
           </p:cNvPr>
@@ -2958,7 +2958,7 @@
           <p:cNvPr id="6" name="灯片编号占位符 5">
             <a:extLst>
               <a:ext uri="{FF2B5EF4-FFF2-40B4-BE49-F238E27FC236}">
-                <a16:creationId xmlns:a16="http://schemas.microsoft.com/office/drawing/2014/main" id="{26AAB394-6085-B6F4-3B2A-1326BF23CEB4}"/>
+                <a16:creationId xmlns:a16="http://schemas.microsoft.com/office/drawing/2014/main" id="{DEC06257-87B8-7AE9-4B7C-F8EDC16D1E88}"/>
               </a:ext>
             </a:extLst>
           </p:cNvPr>
@@ -2992,7 +2992,7 @@
             </a:lvl1pPr>
           </a:lstStyle>
           <a:p>
-            <a:fld id="{B0C99C66-E052-4CA8-9141-00A88EA19240}" type="slidenum">
+            <a:fld id="{E198FBA0-F0B0-4CFD-B54A-82F34F8D8F23}" type="slidenum">
               <a:rPr lang="zh-CN" altLang="en-US" smtClean="0"/>
               <a:t>‹#›</a:t>
             </a:fld>
@@ -3003,7 +3003,7 @@
     </p:spTree>
     <p:extLst>
       <p:ext uri="{BB962C8B-B14F-4D97-AF65-F5344CB8AC3E}">
-        <p14:creationId xmlns:p14="http://schemas.microsoft.com/office/powerpoint/2010/main" val="1311777741"/>
+        <p14:creationId xmlns:p14="http://schemas.microsoft.com/office/powerpoint/2010/main" val="2961750232"/>
       </p:ext>
     </p:extLst>
   </p:cSld>
@@ -3323,7 +3323,7 @@
       </p:grpSpPr>
       <p:pic>
         <p:nvPicPr>
-          <p:cNvPr id="1295362" name="Picture 2" descr="1264"/>
+          <p:cNvPr id="1296386" name="Picture 2" descr="1265"/>
           <p:cNvPicPr>
             <a:picLocks noChangeAspect="1" noChangeArrowheads="1"/>
           </p:cNvPicPr>
@@ -3344,8 +3344,8 @@
         </p:blipFill>
         <p:spPr bwMode="auto">
           <a:xfrm>
-            <a:off x="1524000" y="0"/>
-            <a:ext cx="9144000" cy="6357938"/>
+            <a:off x="1524000" y="1"/>
+            <a:ext cx="9144000" cy="6411913"/>
           </a:xfrm>
           <a:prstGeom prst="rect">
             <a:avLst/>
